--- a/Springer Latex/Book/figures2/FBE-example.pptx
+++ b/Springer Latex/Book/figures2/FBE-example.pptx
@@ -107,6 +107,22 @@
       </a:defRPr>
     </a:lvl9pPr>
   </p:defaultTextStyle>
+  <p:extLst>
+    <p:ext uri="{EFAFB233-063F-42B5-8137-9DF3F51BA10A}">
+      <p15:sldGuideLst xmlns:p15="http://schemas.microsoft.com/office/powerpoint/2012/main">
+        <p15:guide id="1" orient="horz" pos="2160">
+          <p15:clr>
+            <a:srgbClr val="A4A3A4"/>
+          </p15:clr>
+        </p15:guide>
+        <p15:guide id="2" pos="2880">
+          <p15:clr>
+            <a:srgbClr val="A4A3A4"/>
+          </p15:clr>
+        </p15:guide>
+      </p15:sldGuideLst>
+    </p:ext>
+  </p:extLst>
 </p:presentation>
 </file>
 
@@ -192,7 +208,7 @@
           <a:p>
             <a:fld id="{EA6E994D-EE54-45CF-8564-9B84D8B032D6}" type="datetimeFigureOut">
               <a:rPr lang="en-US" smtClean="0"/>
-              <a:t>1/28/2016</a:t>
+              <a:t>8/16/2016</a:t>
             </a:fld>
             <a:endParaRPr lang="en-US"/>
           </a:p>
@@ -256,38 +272,37 @@
           <a:p>
             <a:pPr lvl="0"/>
             <a:r>
-              <a:rPr lang="en-US" smtClean="0"/>
+              <a:rPr lang="en-US"/>
               <a:t>Click to edit Master text styles</a:t>
             </a:r>
           </a:p>
           <a:p>
             <a:pPr lvl="1"/>
             <a:r>
-              <a:rPr lang="en-US" smtClean="0"/>
+              <a:rPr lang="en-US"/>
               <a:t>Second level</a:t>
             </a:r>
           </a:p>
           <a:p>
             <a:pPr lvl="2"/>
             <a:r>
-              <a:rPr lang="en-US" smtClean="0"/>
+              <a:rPr lang="en-US"/>
               <a:t>Third level</a:t>
             </a:r>
           </a:p>
           <a:p>
             <a:pPr lvl="3"/>
             <a:r>
-              <a:rPr lang="en-US" smtClean="0"/>
+              <a:rPr lang="en-US"/>
               <a:t>Fourth level</a:t>
             </a:r>
           </a:p>
           <a:p>
             <a:pPr lvl="4"/>
             <a:r>
-              <a:rPr lang="en-US" smtClean="0"/>
+              <a:rPr lang="en-US"/>
               <a:t>Fifth level</a:t>
             </a:r>
-            <a:endParaRPr lang="en-US"/>
           </a:p>
         </p:txBody>
       </p:sp>
@@ -582,10 +597,9 @@
           <a:lstStyle/>
           <a:p>
             <a:r>
-              <a:rPr lang="en-US" smtClean="0"/>
+              <a:rPr lang="en-US"/>
               <a:t>Click to edit Master title style</a:t>
             </a:r>
-            <a:endParaRPr lang="en-US"/>
           </a:p>
         </p:txBody>
       </p:sp>
@@ -701,10 +715,9 @@
           </a:lstStyle>
           <a:p>
             <a:r>
-              <a:rPr lang="en-US" smtClean="0"/>
+              <a:rPr lang="en-US"/>
               <a:t>Click to edit Master subtitle style</a:t>
             </a:r>
-            <a:endParaRPr lang="en-US"/>
           </a:p>
         </p:txBody>
       </p:sp>
@@ -725,7 +738,7 @@
           <a:p>
             <a:fld id="{D79ED97D-5577-403C-B58C-D66171CB85CF}" type="datetimeFigureOut">
               <a:rPr lang="en-US" smtClean="0"/>
-              <a:t>1/28/2016</a:t>
+              <a:t>8/16/2016</a:t>
             </a:fld>
             <a:endParaRPr lang="en-US"/>
           </a:p>
@@ -819,10 +832,9 @@
           <a:lstStyle/>
           <a:p>
             <a:r>
-              <a:rPr lang="en-US" smtClean="0"/>
+              <a:rPr lang="en-US"/>
               <a:t>Click to edit Master title style</a:t>
             </a:r>
-            <a:endParaRPr lang="en-US"/>
           </a:p>
         </p:txBody>
       </p:sp>
@@ -843,38 +855,37 @@
           <a:p>
             <a:pPr lvl="0"/>
             <a:r>
-              <a:rPr lang="en-US" smtClean="0"/>
+              <a:rPr lang="en-US"/>
               <a:t>Click to edit Master text styles</a:t>
             </a:r>
           </a:p>
           <a:p>
             <a:pPr lvl="1"/>
             <a:r>
-              <a:rPr lang="en-US" smtClean="0"/>
+              <a:rPr lang="en-US"/>
               <a:t>Second level</a:t>
             </a:r>
           </a:p>
           <a:p>
             <a:pPr lvl="2"/>
             <a:r>
-              <a:rPr lang="en-US" smtClean="0"/>
+              <a:rPr lang="en-US"/>
               <a:t>Third level</a:t>
             </a:r>
           </a:p>
           <a:p>
             <a:pPr lvl="3"/>
             <a:r>
-              <a:rPr lang="en-US" smtClean="0"/>
+              <a:rPr lang="en-US"/>
               <a:t>Fourth level</a:t>
             </a:r>
           </a:p>
           <a:p>
             <a:pPr lvl="4"/>
             <a:r>
-              <a:rPr lang="en-US" smtClean="0"/>
+              <a:rPr lang="en-US"/>
               <a:t>Fifth level</a:t>
             </a:r>
-            <a:endParaRPr lang="en-US"/>
           </a:p>
         </p:txBody>
       </p:sp>
@@ -895,7 +906,7 @@
           <a:p>
             <a:fld id="{D79ED97D-5577-403C-B58C-D66171CB85CF}" type="datetimeFigureOut">
               <a:rPr lang="en-US" smtClean="0"/>
-              <a:t>1/28/2016</a:t>
+              <a:t>8/16/2016</a:t>
             </a:fld>
             <a:endParaRPr lang="en-US"/>
           </a:p>
@@ -994,10 +1005,9 @@
           <a:lstStyle/>
           <a:p>
             <a:r>
-              <a:rPr lang="en-US" smtClean="0"/>
+              <a:rPr lang="en-US"/>
               <a:t>Click to edit Master title style</a:t>
             </a:r>
-            <a:endParaRPr lang="en-US"/>
           </a:p>
         </p:txBody>
       </p:sp>
@@ -1023,38 +1033,37 @@
           <a:p>
             <a:pPr lvl="0"/>
             <a:r>
-              <a:rPr lang="en-US" smtClean="0"/>
+              <a:rPr lang="en-US"/>
               <a:t>Click to edit Master text styles</a:t>
             </a:r>
           </a:p>
           <a:p>
             <a:pPr lvl="1"/>
             <a:r>
-              <a:rPr lang="en-US" smtClean="0"/>
+              <a:rPr lang="en-US"/>
               <a:t>Second level</a:t>
             </a:r>
           </a:p>
           <a:p>
             <a:pPr lvl="2"/>
             <a:r>
-              <a:rPr lang="en-US" smtClean="0"/>
+              <a:rPr lang="en-US"/>
               <a:t>Third level</a:t>
             </a:r>
           </a:p>
           <a:p>
             <a:pPr lvl="3"/>
             <a:r>
-              <a:rPr lang="en-US" smtClean="0"/>
+              <a:rPr lang="en-US"/>
               <a:t>Fourth level</a:t>
             </a:r>
           </a:p>
           <a:p>
             <a:pPr lvl="4"/>
             <a:r>
-              <a:rPr lang="en-US" smtClean="0"/>
+              <a:rPr lang="en-US"/>
               <a:t>Fifth level</a:t>
             </a:r>
-            <a:endParaRPr lang="en-US"/>
           </a:p>
         </p:txBody>
       </p:sp>
@@ -1075,7 +1084,7 @@
           <a:p>
             <a:fld id="{D79ED97D-5577-403C-B58C-D66171CB85CF}" type="datetimeFigureOut">
               <a:rPr lang="en-US" smtClean="0"/>
-              <a:t>1/28/2016</a:t>
+              <a:t>8/16/2016</a:t>
             </a:fld>
             <a:endParaRPr lang="en-US"/>
           </a:p>
@@ -1169,10 +1178,9 @@
           <a:lstStyle/>
           <a:p>
             <a:r>
-              <a:rPr lang="en-US" smtClean="0"/>
+              <a:rPr lang="en-US"/>
               <a:t>Click to edit Master title style</a:t>
             </a:r>
-            <a:endParaRPr lang="en-US"/>
           </a:p>
         </p:txBody>
       </p:sp>
@@ -1193,38 +1201,37 @@
           <a:p>
             <a:pPr lvl="0"/>
             <a:r>
-              <a:rPr lang="en-US" smtClean="0"/>
+              <a:rPr lang="en-US"/>
               <a:t>Click to edit Master text styles</a:t>
             </a:r>
           </a:p>
           <a:p>
             <a:pPr lvl="1"/>
             <a:r>
-              <a:rPr lang="en-US" smtClean="0"/>
+              <a:rPr lang="en-US"/>
               <a:t>Second level</a:t>
             </a:r>
           </a:p>
           <a:p>
             <a:pPr lvl="2"/>
             <a:r>
-              <a:rPr lang="en-US" smtClean="0"/>
+              <a:rPr lang="en-US"/>
               <a:t>Third level</a:t>
             </a:r>
           </a:p>
           <a:p>
             <a:pPr lvl="3"/>
             <a:r>
-              <a:rPr lang="en-US" smtClean="0"/>
+              <a:rPr lang="en-US"/>
               <a:t>Fourth level</a:t>
             </a:r>
           </a:p>
           <a:p>
             <a:pPr lvl="4"/>
             <a:r>
-              <a:rPr lang="en-US" smtClean="0"/>
+              <a:rPr lang="en-US"/>
               <a:t>Fifth level</a:t>
             </a:r>
-            <a:endParaRPr lang="en-US"/>
           </a:p>
         </p:txBody>
       </p:sp>
@@ -1245,7 +1252,7 @@
           <a:p>
             <a:fld id="{D79ED97D-5577-403C-B58C-D66171CB85CF}" type="datetimeFigureOut">
               <a:rPr lang="en-US" smtClean="0"/>
-              <a:t>1/28/2016</a:t>
+              <a:t>8/16/2016</a:t>
             </a:fld>
             <a:endParaRPr lang="en-US"/>
           </a:p>
@@ -1348,10 +1355,9 @@
           </a:lstStyle>
           <a:p>
             <a:r>
-              <a:rPr lang="en-US" smtClean="0"/>
+              <a:rPr lang="en-US"/>
               <a:t>Click to edit Master title style</a:t>
             </a:r>
-            <a:endParaRPr lang="en-US"/>
           </a:p>
         </p:txBody>
       </p:sp>
@@ -1468,7 +1474,7 @@
           <a:p>
             <a:pPr lvl="0"/>
             <a:r>
-              <a:rPr lang="en-US" smtClean="0"/>
+              <a:rPr lang="en-US"/>
               <a:t>Click to edit Master text styles</a:t>
             </a:r>
           </a:p>
@@ -1491,7 +1497,7 @@
           <a:p>
             <a:fld id="{D79ED97D-5577-403C-B58C-D66171CB85CF}" type="datetimeFigureOut">
               <a:rPr lang="en-US" smtClean="0"/>
-              <a:t>1/28/2016</a:t>
+              <a:t>8/16/2016</a:t>
             </a:fld>
             <a:endParaRPr lang="en-US"/>
           </a:p>
@@ -1585,10 +1591,9 @@
           <a:lstStyle/>
           <a:p>
             <a:r>
-              <a:rPr lang="en-US" smtClean="0"/>
+              <a:rPr lang="en-US"/>
               <a:t>Click to edit Master title style</a:t>
             </a:r>
-            <a:endParaRPr lang="en-US"/>
           </a:p>
         </p:txBody>
       </p:sp>
@@ -1642,38 +1647,37 @@
           <a:p>
             <a:pPr lvl="0"/>
             <a:r>
-              <a:rPr lang="en-US" smtClean="0"/>
+              <a:rPr lang="en-US"/>
               <a:t>Click to edit Master text styles</a:t>
             </a:r>
           </a:p>
           <a:p>
             <a:pPr lvl="1"/>
             <a:r>
-              <a:rPr lang="en-US" smtClean="0"/>
+              <a:rPr lang="en-US"/>
               <a:t>Second level</a:t>
             </a:r>
           </a:p>
           <a:p>
             <a:pPr lvl="2"/>
             <a:r>
-              <a:rPr lang="en-US" smtClean="0"/>
+              <a:rPr lang="en-US"/>
               <a:t>Third level</a:t>
             </a:r>
           </a:p>
           <a:p>
             <a:pPr lvl="3"/>
             <a:r>
-              <a:rPr lang="en-US" smtClean="0"/>
+              <a:rPr lang="en-US"/>
               <a:t>Fourth level</a:t>
             </a:r>
           </a:p>
           <a:p>
             <a:pPr lvl="4"/>
             <a:r>
-              <a:rPr lang="en-US" smtClean="0"/>
+              <a:rPr lang="en-US"/>
               <a:t>Fifth level</a:t>
             </a:r>
-            <a:endParaRPr lang="en-US"/>
           </a:p>
         </p:txBody>
       </p:sp>
@@ -1727,38 +1731,37 @@
           <a:p>
             <a:pPr lvl="0"/>
             <a:r>
-              <a:rPr lang="en-US" smtClean="0"/>
+              <a:rPr lang="en-US"/>
               <a:t>Click to edit Master text styles</a:t>
             </a:r>
           </a:p>
           <a:p>
             <a:pPr lvl="1"/>
             <a:r>
-              <a:rPr lang="en-US" smtClean="0"/>
+              <a:rPr lang="en-US"/>
               <a:t>Second level</a:t>
             </a:r>
           </a:p>
           <a:p>
             <a:pPr lvl="2"/>
             <a:r>
-              <a:rPr lang="en-US" smtClean="0"/>
+              <a:rPr lang="en-US"/>
               <a:t>Third level</a:t>
             </a:r>
           </a:p>
           <a:p>
             <a:pPr lvl="3"/>
             <a:r>
-              <a:rPr lang="en-US" smtClean="0"/>
+              <a:rPr lang="en-US"/>
               <a:t>Fourth level</a:t>
             </a:r>
           </a:p>
           <a:p>
             <a:pPr lvl="4"/>
             <a:r>
-              <a:rPr lang="en-US" smtClean="0"/>
+              <a:rPr lang="en-US"/>
               <a:t>Fifth level</a:t>
             </a:r>
-            <a:endParaRPr lang="en-US"/>
           </a:p>
         </p:txBody>
       </p:sp>
@@ -1779,7 +1782,7 @@
           <a:p>
             <a:fld id="{D79ED97D-5577-403C-B58C-D66171CB85CF}" type="datetimeFigureOut">
               <a:rPr lang="en-US" smtClean="0"/>
-              <a:t>1/28/2016</a:t>
+              <a:t>8/16/2016</a:t>
             </a:fld>
             <a:endParaRPr lang="en-US"/>
           </a:p>
@@ -1877,10 +1880,9 @@
           </a:lstStyle>
           <a:p>
             <a:r>
-              <a:rPr lang="en-US" smtClean="0"/>
+              <a:rPr lang="en-US"/>
               <a:t>Click to edit Master title style</a:t>
             </a:r>
-            <a:endParaRPr lang="en-US"/>
           </a:p>
         </p:txBody>
       </p:sp>
@@ -1943,7 +1945,7 @@
           <a:p>
             <a:pPr lvl="0"/>
             <a:r>
-              <a:rPr lang="en-US" smtClean="0"/>
+              <a:rPr lang="en-US"/>
               <a:t>Click to edit Master text styles</a:t>
             </a:r>
           </a:p>
@@ -1999,38 +2001,37 @@
           <a:p>
             <a:pPr lvl="0"/>
             <a:r>
-              <a:rPr lang="en-US" smtClean="0"/>
+              <a:rPr lang="en-US"/>
               <a:t>Click to edit Master text styles</a:t>
             </a:r>
           </a:p>
           <a:p>
             <a:pPr lvl="1"/>
             <a:r>
-              <a:rPr lang="en-US" smtClean="0"/>
+              <a:rPr lang="en-US"/>
               <a:t>Second level</a:t>
             </a:r>
           </a:p>
           <a:p>
             <a:pPr lvl="2"/>
             <a:r>
-              <a:rPr lang="en-US" smtClean="0"/>
+              <a:rPr lang="en-US"/>
               <a:t>Third level</a:t>
             </a:r>
           </a:p>
           <a:p>
             <a:pPr lvl="3"/>
             <a:r>
-              <a:rPr lang="en-US" smtClean="0"/>
+              <a:rPr lang="en-US"/>
               <a:t>Fourth level</a:t>
             </a:r>
           </a:p>
           <a:p>
             <a:pPr lvl="4"/>
             <a:r>
-              <a:rPr lang="en-US" smtClean="0"/>
+              <a:rPr lang="en-US"/>
               <a:t>Fifth level</a:t>
             </a:r>
-            <a:endParaRPr lang="en-US"/>
           </a:p>
         </p:txBody>
       </p:sp>
@@ -2093,7 +2094,7 @@
           <a:p>
             <a:pPr lvl="0"/>
             <a:r>
-              <a:rPr lang="en-US" smtClean="0"/>
+              <a:rPr lang="en-US"/>
               <a:t>Click to edit Master text styles</a:t>
             </a:r>
           </a:p>
@@ -2149,38 +2150,37 @@
           <a:p>
             <a:pPr lvl="0"/>
             <a:r>
-              <a:rPr lang="en-US" smtClean="0"/>
+              <a:rPr lang="en-US"/>
               <a:t>Click to edit Master text styles</a:t>
             </a:r>
           </a:p>
           <a:p>
             <a:pPr lvl="1"/>
             <a:r>
-              <a:rPr lang="en-US" smtClean="0"/>
+              <a:rPr lang="en-US"/>
               <a:t>Second level</a:t>
             </a:r>
           </a:p>
           <a:p>
             <a:pPr lvl="2"/>
             <a:r>
-              <a:rPr lang="en-US" smtClean="0"/>
+              <a:rPr lang="en-US"/>
               <a:t>Third level</a:t>
             </a:r>
           </a:p>
           <a:p>
             <a:pPr lvl="3"/>
             <a:r>
-              <a:rPr lang="en-US" smtClean="0"/>
+              <a:rPr lang="en-US"/>
               <a:t>Fourth level</a:t>
             </a:r>
           </a:p>
           <a:p>
             <a:pPr lvl="4"/>
             <a:r>
-              <a:rPr lang="en-US" smtClean="0"/>
+              <a:rPr lang="en-US"/>
               <a:t>Fifth level</a:t>
             </a:r>
-            <a:endParaRPr lang="en-US"/>
           </a:p>
         </p:txBody>
       </p:sp>
@@ -2201,7 +2201,7 @@
           <a:p>
             <a:fld id="{D79ED97D-5577-403C-B58C-D66171CB85CF}" type="datetimeFigureOut">
               <a:rPr lang="en-US" smtClean="0"/>
-              <a:t>1/28/2016</a:t>
+              <a:t>8/16/2016</a:t>
             </a:fld>
             <a:endParaRPr lang="en-US"/>
           </a:p>
@@ -2295,10 +2295,9 @@
           <a:lstStyle/>
           <a:p>
             <a:r>
-              <a:rPr lang="en-US" smtClean="0"/>
+              <a:rPr lang="en-US"/>
               <a:t>Click to edit Master title style</a:t>
             </a:r>
-            <a:endParaRPr lang="en-US"/>
           </a:p>
         </p:txBody>
       </p:sp>
@@ -2319,7 +2318,7 @@
           <a:p>
             <a:fld id="{D79ED97D-5577-403C-B58C-D66171CB85CF}" type="datetimeFigureOut">
               <a:rPr lang="en-US" smtClean="0"/>
-              <a:t>1/28/2016</a:t>
+              <a:t>8/16/2016</a:t>
             </a:fld>
             <a:endParaRPr lang="en-US"/>
           </a:p>
@@ -2414,7 +2413,7 @@
           <a:p>
             <a:fld id="{D79ED97D-5577-403C-B58C-D66171CB85CF}" type="datetimeFigureOut">
               <a:rPr lang="en-US" smtClean="0"/>
-              <a:t>1/28/2016</a:t>
+              <a:t>8/16/2016</a:t>
             </a:fld>
             <a:endParaRPr lang="en-US"/>
           </a:p>
@@ -2517,10 +2516,9 @@
           </a:lstStyle>
           <a:p>
             <a:r>
-              <a:rPr lang="en-US" smtClean="0"/>
+              <a:rPr lang="en-US"/>
               <a:t>Click to edit Master title style</a:t>
             </a:r>
-            <a:endParaRPr lang="en-US"/>
           </a:p>
         </p:txBody>
       </p:sp>
@@ -2574,38 +2572,37 @@
           <a:p>
             <a:pPr lvl="0"/>
             <a:r>
-              <a:rPr lang="en-US" smtClean="0"/>
+              <a:rPr lang="en-US"/>
               <a:t>Click to edit Master text styles</a:t>
             </a:r>
           </a:p>
           <a:p>
             <a:pPr lvl="1"/>
             <a:r>
-              <a:rPr lang="en-US" smtClean="0"/>
+              <a:rPr lang="en-US"/>
               <a:t>Second level</a:t>
             </a:r>
           </a:p>
           <a:p>
             <a:pPr lvl="2"/>
             <a:r>
-              <a:rPr lang="en-US" smtClean="0"/>
+              <a:rPr lang="en-US"/>
               <a:t>Third level</a:t>
             </a:r>
           </a:p>
           <a:p>
             <a:pPr lvl="3"/>
             <a:r>
-              <a:rPr lang="en-US" smtClean="0"/>
+              <a:rPr lang="en-US"/>
               <a:t>Fourth level</a:t>
             </a:r>
           </a:p>
           <a:p>
             <a:pPr lvl="4"/>
             <a:r>
-              <a:rPr lang="en-US" smtClean="0"/>
+              <a:rPr lang="en-US"/>
               <a:t>Fifth level</a:t>
             </a:r>
-            <a:endParaRPr lang="en-US"/>
           </a:p>
         </p:txBody>
       </p:sp>
@@ -2668,7 +2665,7 @@
           <a:p>
             <a:pPr lvl="0"/>
             <a:r>
-              <a:rPr lang="en-US" smtClean="0"/>
+              <a:rPr lang="en-US"/>
               <a:t>Click to edit Master text styles</a:t>
             </a:r>
           </a:p>
@@ -2691,7 +2688,7 @@
           <a:p>
             <a:fld id="{D79ED97D-5577-403C-B58C-D66171CB85CF}" type="datetimeFigureOut">
               <a:rPr lang="en-US" smtClean="0"/>
-              <a:t>1/28/2016</a:t>
+              <a:t>8/16/2016</a:t>
             </a:fld>
             <a:endParaRPr lang="en-US"/>
           </a:p>
@@ -2794,10 +2791,9 @@
           </a:lstStyle>
           <a:p>
             <a:r>
-              <a:rPr lang="en-US" smtClean="0"/>
+              <a:rPr lang="en-US"/>
               <a:t>Click to edit Master title style</a:t>
             </a:r>
-            <a:endParaRPr lang="en-US"/>
           </a:p>
         </p:txBody>
       </p:sp>
@@ -2921,7 +2917,7 @@
           <a:p>
             <a:pPr lvl="0"/>
             <a:r>
-              <a:rPr lang="en-US" smtClean="0"/>
+              <a:rPr lang="en-US"/>
               <a:t>Click to edit Master text styles</a:t>
             </a:r>
           </a:p>
@@ -2944,7 +2940,7 @@
           <a:p>
             <a:fld id="{D79ED97D-5577-403C-B58C-D66171CB85CF}" type="datetimeFigureOut">
               <a:rPr lang="en-US" smtClean="0"/>
-              <a:t>1/28/2016</a:t>
+              <a:t>8/16/2016</a:t>
             </a:fld>
             <a:endParaRPr lang="en-US"/>
           </a:p>
@@ -3053,10 +3049,9 @@
           <a:lstStyle/>
           <a:p>
             <a:r>
-              <a:rPr lang="en-US" smtClean="0"/>
+              <a:rPr lang="en-US"/>
               <a:t>Click to edit Master title style</a:t>
             </a:r>
-            <a:endParaRPr lang="en-US"/>
           </a:p>
         </p:txBody>
       </p:sp>
@@ -3087,38 +3082,37 @@
           <a:p>
             <a:pPr lvl="0"/>
             <a:r>
-              <a:rPr lang="en-US" smtClean="0"/>
+              <a:rPr lang="en-US"/>
               <a:t>Click to edit Master text styles</a:t>
             </a:r>
           </a:p>
           <a:p>
             <a:pPr lvl="1"/>
             <a:r>
-              <a:rPr lang="en-US" smtClean="0"/>
+              <a:rPr lang="en-US"/>
               <a:t>Second level</a:t>
             </a:r>
           </a:p>
           <a:p>
             <a:pPr lvl="2"/>
             <a:r>
-              <a:rPr lang="en-US" smtClean="0"/>
+              <a:rPr lang="en-US"/>
               <a:t>Third level</a:t>
             </a:r>
           </a:p>
           <a:p>
             <a:pPr lvl="3"/>
             <a:r>
-              <a:rPr lang="en-US" smtClean="0"/>
+              <a:rPr lang="en-US"/>
               <a:t>Fourth level</a:t>
             </a:r>
           </a:p>
           <a:p>
             <a:pPr lvl="4"/>
             <a:r>
-              <a:rPr lang="en-US" smtClean="0"/>
+              <a:rPr lang="en-US"/>
               <a:t>Fifth level</a:t>
             </a:r>
-            <a:endParaRPr lang="en-US"/>
           </a:p>
         </p:txBody>
       </p:sp>
@@ -3157,7 +3151,7 @@
           <a:p>
             <a:fld id="{D79ED97D-5577-403C-B58C-D66171CB85CF}" type="datetimeFigureOut">
               <a:rPr lang="en-US" smtClean="0"/>
-              <a:t>1/28/2016</a:t>
+              <a:t>8/16/2016</a:t>
             </a:fld>
             <a:endParaRPr lang="en-US"/>
           </a:p>
@@ -3907,10 +3901,9 @@
           <a:lstStyle/>
           <a:p>
             <a:r>
-              <a:rPr lang="en-US" sz="1400" dirty="0" smtClean="0"/>
+              <a:rPr lang="en-US" sz="1400" dirty="0"/>
               <a:t>   </a:t>
             </a:r>
-            <a:endParaRPr lang="en-US" sz="1400" dirty="0"/>
           </a:p>
         </p:txBody>
       </p:sp>
@@ -4049,7 +4042,9 @@
             <a:avLst/>
           </a:prstGeom>
           <a:solidFill>
-            <a:srgbClr val="FFCCFF"/>
+            <a:schemeClr val="accent1">
+              <a:lumMod val="75000"/>
+            </a:schemeClr>
           </a:solidFill>
           <a:ln w="12700">
             <a:solidFill>
@@ -4095,23 +4090,15 @@
           <a:lstStyle/>
           <a:p>
             <a:pPr algn="ctr"/>
-            <a:r>
-              <a:rPr lang="en-US" sz="1400" b="1" dirty="0" smtClean="0">
-                <a:solidFill>
-                  <a:schemeClr val="bg1"/>
-                </a:solidFill>
-              </a:rPr>
-              <a:t/>
-            </a:r>
             <a:br>
-              <a:rPr lang="en-US" sz="1400" b="1" dirty="0" smtClean="0">
+              <a:rPr lang="en-US" sz="1400" b="1" dirty="0">
                 <a:solidFill>
                   <a:schemeClr val="bg1"/>
                 </a:solidFill>
               </a:rPr>
             </a:br>
             <a:r>
-              <a:rPr lang="en-US" sz="1400" b="1" dirty="0" smtClean="0">
+              <a:rPr lang="en-US" sz="1400" b="1" dirty="0">
                 <a:solidFill>
                   <a:schemeClr val="bg1"/>
                 </a:solidFill>
@@ -4119,7 +4106,7 @@
               <a:t>Data transmission</a:t>
             </a:r>
             <a:br>
-              <a:rPr lang="en-US" sz="1400" b="1" dirty="0" smtClean="0">
+              <a:rPr lang="en-US" sz="1400" b="1" dirty="0">
                 <a:solidFill>
                   <a:schemeClr val="bg1"/>
                 </a:solidFill>
@@ -4199,23 +4186,15 @@
           <a:lstStyle/>
           <a:p>
             <a:pPr algn="ctr"/>
-            <a:r>
-              <a:rPr lang="en-US" sz="1400" b="1" dirty="0" smtClean="0">
-                <a:solidFill>
-                  <a:schemeClr val="bg1"/>
-                </a:solidFill>
-              </a:rPr>
-              <a:t/>
-            </a:r>
             <a:br>
-              <a:rPr lang="en-US" sz="1400" b="1" dirty="0" smtClean="0">
+              <a:rPr lang="en-US" sz="1400" b="1" dirty="0">
                 <a:solidFill>
                   <a:schemeClr val="bg1"/>
                 </a:solidFill>
               </a:rPr>
             </a:br>
             <a:r>
-              <a:rPr lang="en-US" sz="1400" b="1" dirty="0" smtClean="0">
+              <a:rPr lang="en-US" sz="1400" b="1" dirty="0">
                 <a:solidFill>
                   <a:schemeClr val="bg1"/>
                 </a:solidFill>
@@ -4223,7 +4202,7 @@
               <a:t>Data transmission</a:t>
             </a:r>
             <a:br>
-              <a:rPr lang="en-US" sz="1400" b="1" dirty="0" smtClean="0">
+              <a:rPr lang="en-US" sz="1400" b="1" dirty="0">
                 <a:solidFill>
                   <a:schemeClr val="bg1"/>
                 </a:solidFill>
@@ -4263,10 +4242,9 @@
           <a:lstStyle/>
           <a:p>
             <a:r>
-              <a:rPr lang="en-US" sz="1200" dirty="0" smtClean="0"/>
+              <a:rPr lang="en-US" sz="1200" dirty="0"/>
               <a:t>Fixed frame period</a:t>
             </a:r>
-            <a:endParaRPr lang="en-US" sz="1200" dirty="0"/>
           </a:p>
         </p:txBody>
       </p:sp>
@@ -4297,17 +4275,16 @@
           <a:p>
             <a:pPr algn="ctr"/>
             <a:r>
-              <a:rPr lang="en-US" sz="1200" dirty="0" smtClean="0"/>
+              <a:rPr lang="en-US" sz="1200" dirty="0"/>
               <a:t>Idle</a:t>
             </a:r>
             <a:br>
-              <a:rPr lang="en-US" sz="1200" dirty="0" smtClean="0"/>
+              <a:rPr lang="en-US" sz="1200" dirty="0"/>
             </a:br>
             <a:r>
-              <a:rPr lang="en-US" sz="1200" dirty="0" smtClean="0"/>
+              <a:rPr lang="en-US" sz="1200" dirty="0"/>
               <a:t>period</a:t>
             </a:r>
-            <a:endParaRPr lang="en-US" sz="1200" dirty="0"/>
           </a:p>
         </p:txBody>
       </p:sp>
@@ -4338,7 +4315,7 @@
           <a:p>
             <a:pPr algn="ctr"/>
             <a:r>
-              <a:rPr lang="en-US" sz="1200" dirty="0" err="1" smtClean="0"/>
+              <a:rPr lang="en-US" sz="1200" dirty="0" err="1"/>
               <a:t>CoT</a:t>
             </a:r>
             <a:endParaRPr lang="en-US" sz="1200" dirty="0"/>
@@ -4372,10 +4349,9 @@
           <a:p>
             <a:pPr algn="ctr"/>
             <a:r>
-              <a:rPr lang="en-US" sz="1200" dirty="0" smtClean="0"/>
+              <a:rPr lang="en-US" sz="1200" dirty="0"/>
               <a:t>IP</a:t>
             </a:r>
-            <a:endParaRPr lang="en-US" sz="1200" dirty="0"/>
           </a:p>
         </p:txBody>
       </p:sp>
@@ -4405,10 +4381,9 @@
           <a:lstStyle/>
           <a:p>
             <a:r>
-              <a:rPr lang="en-US" sz="1200" dirty="0" smtClean="0"/>
+              <a:rPr lang="en-US" sz="1200" dirty="0"/>
               <a:t>Time</a:t>
             </a:r>
-            <a:endParaRPr lang="en-US" sz="1200" dirty="0"/>
           </a:p>
         </p:txBody>
       </p:sp>
@@ -4439,10 +4414,9 @@
           <a:p>
             <a:pPr algn="ctr"/>
             <a:r>
-              <a:rPr lang="en-US" sz="1200" dirty="0" smtClean="0"/>
+              <a:rPr lang="en-US" sz="1200" dirty="0"/>
               <a:t>Silent</a:t>
             </a:r>
-            <a:endParaRPr lang="en-US" sz="1200" dirty="0"/>
           </a:p>
         </p:txBody>
       </p:sp>
@@ -4473,10 +4447,9 @@
           <a:p>
             <a:pPr algn="ctr"/>
             <a:r>
-              <a:rPr lang="en-US" sz="1200" dirty="0" smtClean="0"/>
+              <a:rPr lang="en-US" sz="1200" dirty="0"/>
               <a:t>Unsuccessful CCA</a:t>
             </a:r>
-            <a:endParaRPr lang="en-US" sz="1200" dirty="0"/>
           </a:p>
         </p:txBody>
       </p:sp>
@@ -4507,10 +4480,9 @@
           <a:p>
             <a:pPr algn="ctr"/>
             <a:r>
-              <a:rPr lang="en-US" sz="1200" dirty="0" smtClean="0"/>
+              <a:rPr lang="en-US" sz="1200" dirty="0"/>
               <a:t>Successful CCA</a:t>
             </a:r>
-            <a:endParaRPr lang="en-US" sz="1200" dirty="0"/>
           </a:p>
         </p:txBody>
       </p:sp>
@@ -4580,10 +4552,9 @@
           <a:lstStyle/>
           <a:p>
             <a:r>
-              <a:rPr lang="en-US" sz="1200" dirty="0" smtClean="0"/>
+              <a:rPr lang="en-US" sz="1200" dirty="0"/>
               <a:t>Fixed frame period</a:t>
             </a:r>
-            <a:endParaRPr lang="en-US" sz="1200" dirty="0"/>
           </a:p>
         </p:txBody>
       </p:sp>
@@ -4653,10 +4624,9 @@
           <a:lstStyle/>
           <a:p>
             <a:r>
-              <a:rPr lang="en-US" sz="1200" dirty="0" smtClean="0"/>
+              <a:rPr lang="en-US" sz="1200" dirty="0"/>
               <a:t>Fixed frame period</a:t>
             </a:r>
-            <a:endParaRPr lang="en-US" sz="1200" dirty="0"/>
           </a:p>
         </p:txBody>
       </p:sp>
@@ -4805,7 +4775,7 @@
           <a:p>
             <a:pPr algn="ctr"/>
             <a:r>
-              <a:rPr lang="en-US" sz="1200" dirty="0" err="1" smtClean="0"/>
+              <a:rPr lang="en-US" sz="1200" dirty="0" err="1"/>
               <a:t>CoT</a:t>
             </a:r>
             <a:endParaRPr lang="en-US" sz="1200" dirty="0"/>
@@ -4839,10 +4809,9 @@
           <a:p>
             <a:pPr algn="ctr"/>
             <a:r>
-              <a:rPr lang="en-US" sz="1200" dirty="0" smtClean="0"/>
+              <a:rPr lang="en-US" sz="1200" dirty="0"/>
               <a:t>IP</a:t>
             </a:r>
-            <a:endParaRPr lang="en-US" sz="1200" dirty="0"/>
           </a:p>
         </p:txBody>
       </p:sp>
@@ -4953,7 +4922,7 @@
           <a:p>
             <a:pPr algn="ctr"/>
             <a:r>
-              <a:rPr lang="en-US" sz="1200" dirty="0" err="1" smtClean="0"/>
+              <a:rPr lang="en-US" sz="1200" dirty="0" err="1"/>
               <a:t>CoT</a:t>
             </a:r>
             <a:endParaRPr lang="en-US" sz="1200" dirty="0"/>
@@ -4987,10 +4956,9 @@
           <a:p>
             <a:pPr algn="ctr"/>
             <a:r>
-              <a:rPr lang="en-US" sz="1200" dirty="0" smtClean="0"/>
+              <a:rPr lang="en-US" sz="1200" dirty="0"/>
               <a:t>IP</a:t>
             </a:r>
-            <a:endParaRPr lang="en-US" sz="1200" dirty="0"/>
           </a:p>
         </p:txBody>
       </p:sp>
@@ -5021,17 +4989,16 @@
           <a:p>
             <a:pPr algn="ctr"/>
             <a:r>
-              <a:rPr lang="en-US" sz="1200" dirty="0" smtClean="0"/>
+              <a:rPr lang="en-US" sz="1200" dirty="0"/>
               <a:t>Idle</a:t>
             </a:r>
             <a:br>
-              <a:rPr lang="en-US" sz="1200" dirty="0" smtClean="0"/>
+              <a:rPr lang="en-US" sz="1200" dirty="0"/>
             </a:br>
             <a:r>
-              <a:rPr lang="en-US" sz="1200" dirty="0" smtClean="0"/>
+              <a:rPr lang="en-US" sz="1200" dirty="0"/>
               <a:t>period</a:t>
             </a:r>
-            <a:endParaRPr lang="en-US" sz="1200" dirty="0"/>
           </a:p>
         </p:txBody>
       </p:sp>
@@ -5062,17 +5029,16 @@
           <a:p>
             <a:pPr algn="ctr"/>
             <a:r>
-              <a:rPr lang="en-US" sz="1200" dirty="0" smtClean="0"/>
+              <a:rPr lang="en-US" sz="1200" dirty="0"/>
               <a:t>Idle</a:t>
             </a:r>
             <a:br>
-              <a:rPr lang="en-US" sz="1200" dirty="0" smtClean="0"/>
+              <a:rPr lang="en-US" sz="1200" dirty="0"/>
             </a:br>
             <a:r>
-              <a:rPr lang="en-US" sz="1200" dirty="0" smtClean="0"/>
+              <a:rPr lang="en-US" sz="1200" dirty="0"/>
               <a:t>period</a:t>
             </a:r>
-            <a:endParaRPr lang="en-US" sz="1200" dirty="0"/>
           </a:p>
         </p:txBody>
       </p:sp>
@@ -5156,23 +5122,15 @@
           <a:lstStyle/>
           <a:p>
             <a:pPr algn="ctr"/>
-            <a:r>
-              <a:rPr lang="en-US" sz="1400" b="1" dirty="0" smtClean="0">
-                <a:solidFill>
-                  <a:schemeClr val="bg1"/>
-                </a:solidFill>
-              </a:rPr>
-              <a:t/>
-            </a:r>
             <a:br>
-              <a:rPr lang="en-US" sz="1400" b="1" dirty="0" smtClean="0">
+              <a:rPr lang="en-US" sz="1400" b="1" dirty="0">
                 <a:solidFill>
                   <a:schemeClr val="bg1"/>
                 </a:solidFill>
               </a:rPr>
             </a:br>
             <a:r>
-              <a:rPr lang="en-US" sz="1400" b="1" dirty="0" smtClean="0">
+              <a:rPr lang="en-US" sz="1400" b="1" dirty="0">
                 <a:solidFill>
                   <a:schemeClr val="bg1"/>
                 </a:solidFill>
@@ -5180,7 +5138,7 @@
               <a:t>Data transmission</a:t>
             </a:r>
             <a:br>
-              <a:rPr lang="en-US" sz="1400" b="1" dirty="0" smtClean="0">
+              <a:rPr lang="en-US" sz="1400" b="1" dirty="0">
                 <a:solidFill>
                   <a:schemeClr val="bg1"/>
                 </a:solidFill>
@@ -5227,10 +5185,9 @@
           <a:lstStyle/>
           <a:p>
             <a:r>
-              <a:rPr lang="en-US" sz="1400" dirty="0" smtClean="0"/>
+              <a:rPr lang="en-US" sz="1400" dirty="0"/>
               <a:t>   </a:t>
             </a:r>
-            <a:endParaRPr lang="en-US" sz="1400" dirty="0"/>
           </a:p>
         </p:txBody>
       </p:sp>
@@ -5249,7 +5206,9 @@
             <a:avLst/>
           </a:prstGeom>
           <a:solidFill>
-            <a:srgbClr val="FFCCFF"/>
+            <a:schemeClr val="accent1">
+              <a:lumMod val="75000"/>
+            </a:schemeClr>
           </a:solidFill>
           <a:ln w="12700">
             <a:solidFill>
